--- a/MyPres.pptx
+++ b/MyPres.pptx
@@ -291,7 +291,7 @@
       <p15:notesGuideLst xmlns:p15="http://schemas.microsoft.com/office/powerpoint/2012/main"/>
     </p:ext>
     <p:ext uri="http://customooxmlschemas.google.com/">
-      <go:slidesCustomData xmlns="" xmlns:mc="http://schemas.openxmlformats.org/markup-compatibility/2006" xmlns:mv="urn:schemas-microsoft-com:mac:vml" xmlns:c="http://schemas.openxmlformats.org/drawingml/2006/chart" xmlns:dgm="http://schemas.openxmlformats.org/drawingml/2006/diagram" xmlns:o="urn:schemas-microsoft-com:office:office" xmlns:v="urn:schemas-microsoft-com:vml" xmlns:pvml="urn:schemas-microsoft-com:office:powerpoint" xmlns:com="http://schemas.openxmlformats.org/drawingml/2006/compatibility" xmlns:p14="http://schemas.microsoft.com/office/powerpoint/2010/main" xmlns:p15="http://schemas.microsoft.com/office/powerpoint/2012/main" xmlns:ahyp="http://schemas.microsoft.com/office/drawing/2018/hyperlinkcolor" xmlns:go="http://customooxmlschemas.google.com/" r:id="rId25" roundtripDataSignature="AMtx7mg2fLzW2NWhC2ejww7VA5lENbgL/Q=="/>
+      <go:slidesCustomData xmlns:go="http://customooxmlschemas.google.com/" xmlns:ahyp="http://schemas.microsoft.com/office/drawing/2018/hyperlinkcolor" xmlns:p15="http://schemas.microsoft.com/office/powerpoint/2012/main" xmlns:p14="http://schemas.microsoft.com/office/powerpoint/2010/main" xmlns:com="http://schemas.openxmlformats.org/drawingml/2006/compatibility" xmlns:pvml="urn:schemas-microsoft-com:office:powerpoint" xmlns:v="urn:schemas-microsoft-com:vml" xmlns:o="urn:schemas-microsoft-com:office:office" xmlns:dgm="http://schemas.openxmlformats.org/drawingml/2006/diagram" xmlns:c="http://schemas.openxmlformats.org/drawingml/2006/chart" xmlns:mv="urn:schemas-microsoft-com:mac:vml" xmlns:mc="http://schemas.openxmlformats.org/markup-compatibility/2006" xmlns="" r:id="rId25" roundtripDataSignature="AMtx7mg2fLzW2NWhC2ejww7VA5lENbgL/Q=="/>
     </p:ext>
   </p:extLst>
 </p:presentation>
@@ -7139,23 +7139,6 @@
                 </a:rPr>
                 <a:t>Задачи работы</a:t>
               </a:r>
-              <a:endParaRPr lang="ru-RU" sz="2800" b="1" dirty="0">
-                <a:solidFill>
-                  <a:schemeClr val="tx1">
-                    <a:lumMod val="65000"/>
-                    <a:lumOff val="35000"/>
-                  </a:schemeClr>
-                </a:solidFill>
-                <a:effectLst>
-                  <a:outerShdw blurRad="38100" dist="38100" dir="2700000" algn="tl">
-                    <a:srgbClr val="000000">
-                      <a:alpha val="43137"/>
-                    </a:srgbClr>
-                  </a:outerShdw>
-                </a:effectLst>
-                <a:latin typeface="Arial" panose="020B0604020202020204" pitchFamily="34" charset="0"/>
-                <a:cs typeface="Arial" panose="020B0604020202020204" pitchFamily="34" charset="0"/>
-              </a:endParaRPr>
             </a:p>
           </p:txBody>
         </p:sp>
@@ -8771,7 +8754,7 @@
         </p:nvGraphicFramePr>
         <p:xfrm>
           <a:off x="558782" y="1468571"/>
-          <a:ext cx="4654571" cy="3086100"/>
+          <a:ext cx="4654571" cy="3291840"/>
         </p:xfrm>
         <a:graphic>
           <a:graphicData uri="http://schemas.openxmlformats.org/drawingml/2006/table">
@@ -21204,8 +21187,8 @@
       <p:pic>
         <p:nvPicPr>
           <p:cNvPr id="9" name="Рисунок 8"/>
-          <p:cNvPicPr>
-            <a:picLocks noChangeAspect="1"/>
+          <p:cNvPicPr preferRelativeResize="0">
+            <a:picLocks/>
           </p:cNvPicPr>
           <p:nvPr/>
         </p:nvPicPr>
@@ -21218,7 +21201,7 @@
         <p:spPr>
           <a:xfrm>
             <a:off x="589857" y="1771388"/>
-            <a:ext cx="5401524" cy="2877561"/>
+            <a:ext cx="5400000" cy="2448000"/>
           </a:xfrm>
           <a:prstGeom prst="rect">
             <a:avLst/>
@@ -21228,8 +21211,8 @@
       <p:pic>
         <p:nvPicPr>
           <p:cNvPr id="10" name="Рисунок 9"/>
-          <p:cNvPicPr>
-            <a:picLocks noChangeAspect="1"/>
+          <p:cNvPicPr preferRelativeResize="0">
+            <a:picLocks/>
           </p:cNvPicPr>
           <p:nvPr/>
         </p:nvPicPr>
@@ -21242,13 +21225,583 @@
         <p:spPr>
           <a:xfrm>
             <a:off x="6286930" y="1771388"/>
-            <a:ext cx="5401524" cy="2877561"/>
+            <a:ext cx="5400000" cy="2448000"/>
           </a:xfrm>
           <a:prstGeom prst="rect">
             <a:avLst/>
           </a:prstGeom>
         </p:spPr>
       </p:pic>
+      <p:graphicFrame>
+        <p:nvGraphicFramePr>
+          <p:cNvPr id="3" name="Таблица 2"/>
+          <p:cNvGraphicFramePr>
+            <a:graphicFrameLocks noGrp="1"/>
+          </p:cNvGraphicFramePr>
+          <p:nvPr>
+            <p:extLst>
+              <p:ext uri="{D42A27DB-BD31-4B8C-83A1-F6EECF244321}">
+                <p14:modId xmlns:p14="http://schemas.microsoft.com/office/powerpoint/2010/main" val="2798768562"/>
+              </p:ext>
+            </p:extLst>
+          </p:nvPr>
+        </p:nvGraphicFramePr>
+        <p:xfrm>
+          <a:off x="828675" y="4981257"/>
+          <a:ext cx="10858256" cy="1280160"/>
+        </p:xfrm>
+        <a:graphic>
+          <a:graphicData uri="http://schemas.openxmlformats.org/drawingml/2006/table">
+            <a:tbl>
+              <a:tblPr firstRow="1" firstCol="1" bandRow="1">
+                <a:tableStyleId>{5C22544A-7EE6-4342-B048-85BDC9FD1C3A}</a:tableStyleId>
+              </a:tblPr>
+              <a:tblGrid>
+                <a:gridCol w="2714564">
+                  <a:extLst>
+                    <a:ext uri="{9D8B030D-6E8A-4147-A177-3AD203B41FA5}">
+                      <a16:colId xmlns:a16="http://schemas.microsoft.com/office/drawing/2014/main" val="1228435450"/>
+                    </a:ext>
+                  </a:extLst>
+                </a:gridCol>
+                <a:gridCol w="2714564">
+                  <a:extLst>
+                    <a:ext uri="{9D8B030D-6E8A-4147-A177-3AD203B41FA5}">
+                      <a16:colId xmlns:a16="http://schemas.microsoft.com/office/drawing/2014/main" val="2720477728"/>
+                    </a:ext>
+                  </a:extLst>
+                </a:gridCol>
+                <a:gridCol w="2714564">
+                  <a:extLst>
+                    <a:ext uri="{9D8B030D-6E8A-4147-A177-3AD203B41FA5}">
+                      <a16:colId xmlns:a16="http://schemas.microsoft.com/office/drawing/2014/main" val="1157170126"/>
+                    </a:ext>
+                  </a:extLst>
+                </a:gridCol>
+                <a:gridCol w="2714564">
+                  <a:extLst>
+                    <a:ext uri="{9D8B030D-6E8A-4147-A177-3AD203B41FA5}">
+                      <a16:colId xmlns:a16="http://schemas.microsoft.com/office/drawing/2014/main" val="848575988"/>
+                    </a:ext>
+                  </a:extLst>
+                </a:gridCol>
+              </a:tblGrid>
+              <a:tr h="0">
+                <a:tc>
+                  <a:txBody>
+                    <a:bodyPr/>
+                    <a:lstStyle/>
+                    <a:p>
+                      <a:pPr algn="just">
+                        <a:lnSpc>
+                          <a:spcPct val="150000"/>
+                        </a:lnSpc>
+                        <a:spcAft>
+                          <a:spcPts val="0"/>
+                        </a:spcAft>
+                      </a:pPr>
+                      <a:r>
+                        <a:rPr lang="en-US" sz="1400" dirty="0">
+                          <a:effectLst/>
+                        </a:rPr>
+                        <a:t>model</a:t>
+                      </a:r>
+                      <a:endParaRPr lang="ru-RU" sz="1100" dirty="0">
+                        <a:effectLst/>
+                        <a:latin typeface="Arial" panose="020B0604020202020204" pitchFamily="34" charset="0"/>
+                        <a:ea typeface="Arial" panose="020B0604020202020204" pitchFamily="34" charset="0"/>
+                      </a:endParaRPr>
+                    </a:p>
+                  </a:txBody>
+                  <a:tcPr marL="68580" marR="68580" marT="0" marB="0"/>
+                </a:tc>
+                <a:tc>
+                  <a:txBody>
+                    <a:bodyPr/>
+                    <a:lstStyle/>
+                    <a:p>
+                      <a:pPr algn="just">
+                        <a:lnSpc>
+                          <a:spcPct val="150000"/>
+                        </a:lnSpc>
+                        <a:spcAft>
+                          <a:spcPts val="0"/>
+                        </a:spcAft>
+                      </a:pPr>
+                      <a:r>
+                        <a:rPr lang="en-US" sz="1400">
+                          <a:effectLst/>
+                        </a:rPr>
+                        <a:t>target</a:t>
+                      </a:r>
+                      <a:endParaRPr lang="ru-RU" sz="1100">
+                        <a:effectLst/>
+                        <a:latin typeface="Arial" panose="020B0604020202020204" pitchFamily="34" charset="0"/>
+                        <a:ea typeface="Arial" panose="020B0604020202020204" pitchFamily="34" charset="0"/>
+                      </a:endParaRPr>
+                    </a:p>
+                  </a:txBody>
+                  <a:tcPr marL="68580" marR="68580" marT="0" marB="0"/>
+                </a:tc>
+                <a:tc>
+                  <a:txBody>
+                    <a:bodyPr/>
+                    <a:lstStyle/>
+                    <a:p>
+                      <a:pPr algn="just">
+                        <a:lnSpc>
+                          <a:spcPct val="150000"/>
+                        </a:lnSpc>
+                        <a:spcAft>
+                          <a:spcPts val="0"/>
+                        </a:spcAft>
+                      </a:pPr>
+                      <a:r>
+                        <a:rPr lang="en-US" sz="1400">
+                          <a:effectLst/>
+                        </a:rPr>
+                        <a:t>MSE</a:t>
+                      </a:r>
+                      <a:endParaRPr lang="ru-RU" sz="1100">
+                        <a:effectLst/>
+                        <a:latin typeface="Arial" panose="020B0604020202020204" pitchFamily="34" charset="0"/>
+                        <a:ea typeface="Arial" panose="020B0604020202020204" pitchFamily="34" charset="0"/>
+                      </a:endParaRPr>
+                    </a:p>
+                  </a:txBody>
+                  <a:tcPr marL="68580" marR="68580" marT="0" marB="0"/>
+                </a:tc>
+                <a:tc>
+                  <a:txBody>
+                    <a:bodyPr/>
+                    <a:lstStyle/>
+                    <a:p>
+                      <a:pPr algn="just">
+                        <a:lnSpc>
+                          <a:spcPct val="150000"/>
+                        </a:lnSpc>
+                        <a:spcAft>
+                          <a:spcPts val="0"/>
+                        </a:spcAft>
+                      </a:pPr>
+                      <a:r>
+                        <a:rPr lang="en-US" sz="1400">
+                          <a:effectLst/>
+                        </a:rPr>
+                        <a:t>R2</a:t>
+                      </a:r>
+                      <a:endParaRPr lang="ru-RU" sz="1100">
+                        <a:effectLst/>
+                        <a:latin typeface="Arial" panose="020B0604020202020204" pitchFamily="34" charset="0"/>
+                        <a:ea typeface="Arial" panose="020B0604020202020204" pitchFamily="34" charset="0"/>
+                      </a:endParaRPr>
+                    </a:p>
+                  </a:txBody>
+                  <a:tcPr marL="68580" marR="68580" marT="0" marB="0"/>
+                </a:tc>
+                <a:extLst>
+                  <a:ext uri="{0D108BD9-81ED-4DB2-BD59-A6C34878D82A}">
+                    <a16:rowId xmlns:a16="http://schemas.microsoft.com/office/drawing/2014/main" val="2766759302"/>
+                  </a:ext>
+                </a:extLst>
+              </a:tr>
+              <a:tr h="0">
+                <a:tc>
+                  <a:txBody>
+                    <a:bodyPr/>
+                    <a:lstStyle/>
+                    <a:p>
+                      <a:pPr algn="just">
+                        <a:lnSpc>
+                          <a:spcPct val="150000"/>
+                        </a:lnSpc>
+                        <a:spcAft>
+                          <a:spcPts val="0"/>
+                        </a:spcAft>
+                      </a:pPr>
+                      <a:r>
+                        <a:rPr lang="en-US" sz="1400">
+                          <a:effectLst/>
+                        </a:rPr>
+                        <a:t>Linear Regression</a:t>
+                      </a:r>
+                      <a:endParaRPr lang="ru-RU" sz="1100">
+                        <a:effectLst/>
+                        <a:latin typeface="Arial" panose="020B0604020202020204" pitchFamily="34" charset="0"/>
+                        <a:ea typeface="Arial" panose="020B0604020202020204" pitchFamily="34" charset="0"/>
+                      </a:endParaRPr>
+                    </a:p>
+                  </a:txBody>
+                  <a:tcPr marL="68580" marR="68580" marT="0" marB="0"/>
+                </a:tc>
+                <a:tc>
+                  <a:txBody>
+                    <a:bodyPr/>
+                    <a:lstStyle/>
+                    <a:p>
+                      <a:pPr algn="just">
+                        <a:lnSpc>
+                          <a:spcPct val="150000"/>
+                        </a:lnSpc>
+                        <a:spcAft>
+                          <a:spcPts val="0"/>
+                        </a:spcAft>
+                      </a:pPr>
+                      <a:r>
+                        <a:rPr lang="ru-RU" sz="1400">
+                          <a:effectLst/>
+                        </a:rPr>
+                        <a:t>Модуль упругости </a:t>
+                      </a:r>
+                      <a:endParaRPr lang="ru-RU" sz="1100">
+                        <a:effectLst/>
+                        <a:latin typeface="Arial" panose="020B0604020202020204" pitchFamily="34" charset="0"/>
+                        <a:ea typeface="Arial" panose="020B0604020202020204" pitchFamily="34" charset="0"/>
+                      </a:endParaRPr>
+                    </a:p>
+                  </a:txBody>
+                  <a:tcPr marL="68580" marR="68580" marT="0" marB="0"/>
+                </a:tc>
+                <a:tc>
+                  <a:txBody>
+                    <a:bodyPr/>
+                    <a:lstStyle/>
+                    <a:p>
+                      <a:pPr algn="just">
+                        <a:lnSpc>
+                          <a:spcPct val="150000"/>
+                        </a:lnSpc>
+                        <a:spcAft>
+                          <a:spcPts val="0"/>
+                        </a:spcAft>
+                      </a:pPr>
+                      <a:r>
+                        <a:rPr lang="en-US" sz="1400">
+                          <a:effectLst/>
+                        </a:rPr>
+                        <a:t>0.035074</a:t>
+                      </a:r>
+                      <a:endParaRPr lang="ru-RU" sz="1100">
+                        <a:effectLst/>
+                        <a:latin typeface="Arial" panose="020B0604020202020204" pitchFamily="34" charset="0"/>
+                        <a:ea typeface="Arial" panose="020B0604020202020204" pitchFamily="34" charset="0"/>
+                      </a:endParaRPr>
+                    </a:p>
+                  </a:txBody>
+                  <a:tcPr marL="68580" marR="68580" marT="0" marB="0"/>
+                </a:tc>
+                <a:tc>
+                  <a:txBody>
+                    <a:bodyPr/>
+                    <a:lstStyle/>
+                    <a:p>
+                      <a:pPr algn="just">
+                        <a:lnSpc>
+                          <a:spcPct val="150000"/>
+                        </a:lnSpc>
+                        <a:spcAft>
+                          <a:spcPts val="0"/>
+                        </a:spcAft>
+                      </a:pPr>
+                      <a:r>
+                        <a:rPr lang="en-US" sz="1400">
+                          <a:effectLst/>
+                        </a:rPr>
+                        <a:t>-0.024522</a:t>
+                      </a:r>
+                      <a:endParaRPr lang="ru-RU" sz="1100">
+                        <a:effectLst/>
+                        <a:latin typeface="Arial" panose="020B0604020202020204" pitchFamily="34" charset="0"/>
+                        <a:ea typeface="Arial" panose="020B0604020202020204" pitchFamily="34" charset="0"/>
+                      </a:endParaRPr>
+                    </a:p>
+                  </a:txBody>
+                  <a:tcPr marL="68580" marR="68580" marT="0" marB="0"/>
+                </a:tc>
+                <a:extLst>
+                  <a:ext uri="{0D108BD9-81ED-4DB2-BD59-A6C34878D82A}">
+                    <a16:rowId xmlns:a16="http://schemas.microsoft.com/office/drawing/2014/main" val="77233937"/>
+                  </a:ext>
+                </a:extLst>
+              </a:tr>
+              <a:tr h="0">
+                <a:tc>
+                  <a:txBody>
+                    <a:bodyPr/>
+                    <a:lstStyle/>
+                    <a:p>
+                      <a:pPr algn="just">
+                        <a:lnSpc>
+                          <a:spcPct val="150000"/>
+                        </a:lnSpc>
+                        <a:spcAft>
+                          <a:spcPts val="0"/>
+                        </a:spcAft>
+                      </a:pPr>
+                      <a:r>
+                        <a:rPr lang="ru-RU" sz="1400">
+                          <a:effectLst/>
+                        </a:rPr>
+                        <a:t>KNeighborsRegressor</a:t>
+                      </a:r>
+                      <a:endParaRPr lang="ru-RU" sz="1100">
+                        <a:effectLst/>
+                        <a:latin typeface="Arial" panose="020B0604020202020204" pitchFamily="34" charset="0"/>
+                        <a:ea typeface="Arial" panose="020B0604020202020204" pitchFamily="34" charset="0"/>
+                      </a:endParaRPr>
+                    </a:p>
+                  </a:txBody>
+                  <a:tcPr marL="68580" marR="68580" marT="0" marB="0"/>
+                </a:tc>
+                <a:tc>
+                  <a:txBody>
+                    <a:bodyPr/>
+                    <a:lstStyle/>
+                    <a:p>
+                      <a:pPr algn="just">
+                        <a:lnSpc>
+                          <a:spcPct val="150000"/>
+                        </a:lnSpc>
+                        <a:spcAft>
+                          <a:spcPts val="0"/>
+                        </a:spcAft>
+                      </a:pPr>
+                      <a:r>
+                        <a:rPr lang="ru-RU" sz="1400">
+                          <a:effectLst/>
+                        </a:rPr>
+                        <a:t>Модуль упругости </a:t>
+                      </a:r>
+                      <a:endParaRPr lang="ru-RU" sz="1100">
+                        <a:effectLst/>
+                        <a:latin typeface="Arial" panose="020B0604020202020204" pitchFamily="34" charset="0"/>
+                        <a:ea typeface="Arial" panose="020B0604020202020204" pitchFamily="34" charset="0"/>
+                      </a:endParaRPr>
+                    </a:p>
+                  </a:txBody>
+                  <a:tcPr marL="68580" marR="68580" marT="0" marB="0"/>
+                </a:tc>
+                <a:tc>
+                  <a:txBody>
+                    <a:bodyPr/>
+                    <a:lstStyle/>
+                    <a:p>
+                      <a:pPr algn="just">
+                        <a:lnSpc>
+                          <a:spcPct val="150000"/>
+                        </a:lnSpc>
+                        <a:spcAft>
+                          <a:spcPts val="0"/>
+                        </a:spcAft>
+                      </a:pPr>
+                      <a:r>
+                        <a:rPr lang="ru-RU" sz="1400">
+                          <a:effectLst/>
+                        </a:rPr>
+                        <a:t>0.034788</a:t>
+                      </a:r>
+                      <a:endParaRPr lang="ru-RU" sz="1100">
+                        <a:effectLst/>
+                        <a:latin typeface="Arial" panose="020B0604020202020204" pitchFamily="34" charset="0"/>
+                        <a:ea typeface="Arial" panose="020B0604020202020204" pitchFamily="34" charset="0"/>
+                      </a:endParaRPr>
+                    </a:p>
+                  </a:txBody>
+                  <a:tcPr marL="68580" marR="68580" marT="0" marB="0"/>
+                </a:tc>
+                <a:tc>
+                  <a:txBody>
+                    <a:bodyPr/>
+                    <a:lstStyle/>
+                    <a:p>
+                      <a:pPr algn="just">
+                        <a:lnSpc>
+                          <a:spcPct val="150000"/>
+                        </a:lnSpc>
+                        <a:spcAft>
+                          <a:spcPts val="0"/>
+                        </a:spcAft>
+                      </a:pPr>
+                      <a:r>
+                        <a:rPr lang="ru-RU" sz="1400">
+                          <a:effectLst/>
+                        </a:rPr>
+                        <a:t>-0.016102</a:t>
+                      </a:r>
+                      <a:endParaRPr lang="ru-RU" sz="1100">
+                        <a:effectLst/>
+                        <a:latin typeface="Arial" panose="020B0604020202020204" pitchFamily="34" charset="0"/>
+                        <a:ea typeface="Arial" panose="020B0604020202020204" pitchFamily="34" charset="0"/>
+                      </a:endParaRPr>
+                    </a:p>
+                  </a:txBody>
+                  <a:tcPr marL="68580" marR="68580" marT="0" marB="0"/>
+                </a:tc>
+                <a:extLst>
+                  <a:ext uri="{0D108BD9-81ED-4DB2-BD59-A6C34878D82A}">
+                    <a16:rowId xmlns:a16="http://schemas.microsoft.com/office/drawing/2014/main" val="1895503944"/>
+                  </a:ext>
+                </a:extLst>
+              </a:tr>
+              <a:tr h="0">
+                <a:tc>
+                  <a:txBody>
+                    <a:bodyPr/>
+                    <a:lstStyle/>
+                    <a:p>
+                      <a:pPr algn="just">
+                        <a:lnSpc>
+                          <a:spcPct val="150000"/>
+                        </a:lnSpc>
+                        <a:spcAft>
+                          <a:spcPts val="0"/>
+                        </a:spcAft>
+                      </a:pPr>
+                      <a:r>
+                        <a:rPr lang="ru-RU" sz="1400">
+                          <a:effectLst/>
+                        </a:rPr>
+                        <a:t>Random Forest</a:t>
+                      </a:r>
+                      <a:endParaRPr lang="ru-RU" sz="1100">
+                        <a:effectLst/>
+                        <a:latin typeface="Arial" panose="020B0604020202020204" pitchFamily="34" charset="0"/>
+                        <a:ea typeface="Arial" panose="020B0604020202020204" pitchFamily="34" charset="0"/>
+                      </a:endParaRPr>
+                    </a:p>
+                  </a:txBody>
+                  <a:tcPr marL="68580" marR="68580" marT="0" marB="0"/>
+                </a:tc>
+                <a:tc>
+                  <a:txBody>
+                    <a:bodyPr/>
+                    <a:lstStyle/>
+                    <a:p>
+                      <a:pPr algn="just">
+                        <a:lnSpc>
+                          <a:spcPct val="150000"/>
+                        </a:lnSpc>
+                        <a:spcAft>
+                          <a:spcPts val="0"/>
+                        </a:spcAft>
+                      </a:pPr>
+                      <a:r>
+                        <a:rPr lang="ru-RU" sz="1400">
+                          <a:effectLst/>
+                        </a:rPr>
+                        <a:t>Модуль упругости </a:t>
+                      </a:r>
+                      <a:endParaRPr lang="ru-RU" sz="1100">
+                        <a:effectLst/>
+                        <a:latin typeface="Arial" panose="020B0604020202020204" pitchFamily="34" charset="0"/>
+                        <a:ea typeface="Arial" panose="020B0604020202020204" pitchFamily="34" charset="0"/>
+                      </a:endParaRPr>
+                    </a:p>
+                  </a:txBody>
+                  <a:tcPr marL="68580" marR="68580" marT="0" marB="0"/>
+                </a:tc>
+                <a:tc>
+                  <a:txBody>
+                    <a:bodyPr/>
+                    <a:lstStyle/>
+                    <a:p>
+                      <a:pPr algn="just">
+                        <a:lnSpc>
+                          <a:spcPct val="150000"/>
+                        </a:lnSpc>
+                        <a:spcAft>
+                          <a:spcPts val="0"/>
+                        </a:spcAft>
+                      </a:pPr>
+                      <a:r>
+                        <a:rPr lang="ru-RU" sz="1400">
+                          <a:effectLst/>
+                        </a:rPr>
+                        <a:t>0.034912</a:t>
+                      </a:r>
+                      <a:endParaRPr lang="ru-RU" sz="1100">
+                        <a:effectLst/>
+                        <a:latin typeface="Arial" panose="020B0604020202020204" pitchFamily="34" charset="0"/>
+                        <a:ea typeface="Arial" panose="020B0604020202020204" pitchFamily="34" charset="0"/>
+                      </a:endParaRPr>
+                    </a:p>
+                  </a:txBody>
+                  <a:tcPr marL="68580" marR="68580" marT="0" marB="0"/>
+                </a:tc>
+                <a:tc>
+                  <a:txBody>
+                    <a:bodyPr/>
+                    <a:lstStyle/>
+                    <a:p>
+                      <a:pPr algn="just">
+                        <a:lnSpc>
+                          <a:spcPct val="150000"/>
+                        </a:lnSpc>
+                        <a:spcAft>
+                          <a:spcPts val="0"/>
+                        </a:spcAft>
+                      </a:pPr>
+                      <a:r>
+                        <a:rPr lang="ru-RU" sz="1400" dirty="0">
+                          <a:effectLst/>
+                        </a:rPr>
+                        <a:t>-0.019703</a:t>
+                      </a:r>
+                      <a:endParaRPr lang="ru-RU" sz="1100" dirty="0">
+                        <a:effectLst/>
+                        <a:latin typeface="Arial" panose="020B0604020202020204" pitchFamily="34" charset="0"/>
+                        <a:ea typeface="Arial" panose="020B0604020202020204" pitchFamily="34" charset="0"/>
+                      </a:endParaRPr>
+                    </a:p>
+                  </a:txBody>
+                  <a:tcPr marL="68580" marR="68580" marT="0" marB="0"/>
+                </a:tc>
+                <a:extLst>
+                  <a:ext uri="{0D108BD9-81ED-4DB2-BD59-A6C34878D82A}">
+                    <a16:rowId xmlns:a16="http://schemas.microsoft.com/office/drawing/2014/main" val="104068144"/>
+                  </a:ext>
+                </a:extLst>
+              </a:tr>
+            </a:tbl>
+          </a:graphicData>
+        </a:graphic>
+      </p:graphicFrame>
+      <p:sp>
+        <p:nvSpPr>
+          <p:cNvPr id="4" name="Прямоугольник 3"/>
+          <p:cNvSpPr/>
+          <p:nvPr/>
+        </p:nvSpPr>
+        <p:spPr>
+          <a:xfrm>
+            <a:off x="5063405" y="4446434"/>
+            <a:ext cx="2388795" cy="307777"/>
+          </a:xfrm>
+          <a:prstGeom prst="rect">
+            <a:avLst/>
+          </a:prstGeom>
+        </p:spPr>
+        <p:txBody>
+          <a:bodyPr wrap="none">
+            <a:spAutoFit/>
+          </a:bodyPr>
+          <a:lstStyle/>
+          <a:p>
+            <a:r>
+              <a:rPr lang="ru-RU" dirty="0"/>
+              <a:t>итоговый </a:t>
+            </a:r>
+            <a:r>
+              <a:rPr lang="ru-RU" dirty="0" err="1"/>
+              <a:t>датасет</a:t>
+            </a:r>
+            <a:r>
+              <a:rPr lang="ru-RU" dirty="0"/>
+              <a:t> ошибок:</a:t>
+            </a:r>
+          </a:p>
+        </p:txBody>
+      </p:sp>
     </p:spTree>
     <p:extLst>
       <p:ext uri="{BB962C8B-B14F-4D97-AF65-F5344CB8AC3E}">

--- a/MyPres.pptx
+++ b/MyPres.pptx
@@ -24,14 +24,14 @@
   <p:notesSz cx="6858000" cy="9144000"/>
   <p:embeddedFontLst>
     <p:embeddedFont>
-      <p:font typeface="Open Sans" panose="020B0606030504020204" pitchFamily="34" charset="0"/>
+      <p:font typeface="Helvetica" panose="020B0604020202020204" pitchFamily="34" charset="0"/>
       <p:regular r:id="rId14"/>
       <p:bold r:id="rId15"/>
       <p:italic r:id="rId16"/>
       <p:boldItalic r:id="rId17"/>
     </p:embeddedFont>
     <p:embeddedFont>
-      <p:font typeface="Helvetica" panose="020B0604020202020204" pitchFamily="34" charset="0"/>
+      <p:font typeface="Open Sans" panose="020B0606030504020204" pitchFamily="34" charset="0"/>
       <p:regular r:id="rId18"/>
       <p:bold r:id="rId19"/>
       <p:italic r:id="rId20"/>
@@ -291,7 +291,7 @@
       <p15:notesGuideLst xmlns:p15="http://schemas.microsoft.com/office/powerpoint/2012/main"/>
     </p:ext>
     <p:ext uri="http://customooxmlschemas.google.com/">
-      <go:slidesCustomData xmlns:go="http://customooxmlschemas.google.com/" xmlns:ahyp="http://schemas.microsoft.com/office/drawing/2018/hyperlinkcolor" xmlns:p15="http://schemas.microsoft.com/office/powerpoint/2012/main" xmlns:p14="http://schemas.microsoft.com/office/powerpoint/2010/main" xmlns:com="http://schemas.openxmlformats.org/drawingml/2006/compatibility" xmlns:pvml="urn:schemas-microsoft-com:office:powerpoint" xmlns:v="urn:schemas-microsoft-com:vml" xmlns:o="urn:schemas-microsoft-com:office:office" xmlns:dgm="http://schemas.openxmlformats.org/drawingml/2006/diagram" xmlns:c="http://schemas.openxmlformats.org/drawingml/2006/chart" xmlns:mv="urn:schemas-microsoft-com:mac:vml" xmlns:mc="http://schemas.openxmlformats.org/markup-compatibility/2006" xmlns="" r:id="rId25" roundtripDataSignature="AMtx7mg2fLzW2NWhC2ejww7VA5lENbgL/Q=="/>
+      <go:slidesCustomData xmlns="" xmlns:mc="http://schemas.openxmlformats.org/markup-compatibility/2006" xmlns:mv="urn:schemas-microsoft-com:mac:vml" xmlns:c="http://schemas.openxmlformats.org/drawingml/2006/chart" xmlns:dgm="http://schemas.openxmlformats.org/drawingml/2006/diagram" xmlns:o="urn:schemas-microsoft-com:office:office" xmlns:v="urn:schemas-microsoft-com:vml" xmlns:pvml="urn:schemas-microsoft-com:office:powerpoint" xmlns:com="http://schemas.openxmlformats.org/drawingml/2006/compatibility" xmlns:p14="http://schemas.microsoft.com/office/powerpoint/2010/main" xmlns:p15="http://schemas.microsoft.com/office/powerpoint/2012/main" xmlns:ahyp="http://schemas.microsoft.com/office/drawing/2018/hyperlinkcolor" xmlns:go="http://customooxmlschemas.google.com/" r:id="rId25" roundtripDataSignature="AMtx7mg2fLzW2NWhC2ejww7VA5lENbgL/Q=="/>
     </p:ext>
   </p:extLst>
 </p:presentation>
@@ -6882,15 +6882,13 @@
               <a:rPr lang="ru-RU" dirty="0" smtClean="0"/>
               <a:t> </a:t>
             </a:r>
-            <a:endParaRPr lang="ru-RU" dirty="0"/>
-          </a:p>
-          <a:p>
-            <a:endParaRPr lang="ru-RU" dirty="0"/>
-          </a:p>
-          <a:p>
+            <a:r>
+              <a:rPr lang="ru-RU" dirty="0" smtClean="0"/>
+              <a:t>В </a:t>
+            </a:r>
             <a:r>
               <a:rPr lang="ru-RU" dirty="0"/>
-              <a:t>В ходе выполнения данной работы было выполнено:</a:t>
+              <a:t>ходе выполнения данной работы было выполнено:</a:t>
             </a:r>
           </a:p>
           <a:p>
@@ -6932,10 +6930,21 @@
           <a:p>
             <a:r>
               <a:rPr lang="ru-RU" dirty="0"/>
-              <a:t>Использованные при разработке моделей подходы не позволили получить достоверных прогнозов.</a:t>
+              <a:t>Использованные при разработке моделей подходы не позволили получить достоверных прогнозов</a:t>
+            </a:r>
+            <a:r>
+              <a:rPr lang="ru-RU" dirty="0" smtClean="0"/>
+              <a:t>.</a:t>
             </a:r>
           </a:p>
           <a:p>
+            <a:endParaRPr lang="ru-RU" dirty="0"/>
+          </a:p>
+          <a:p>
+            <a:r>
+              <a:rPr lang="en-US" dirty="0"/>
+              <a:t>https://github.com/Anatoliy0461/Malon.git</a:t>
+            </a:r>
             <a:endParaRPr lang="ru-RU" dirty="0"/>
           </a:p>
         </p:txBody>
